--- a/Graph.pptx
+++ b/Graph.pptx
@@ -145,11 +145,11 @@
           <c:showBubbleSize val="0"/>
         </c:dLbls>
         <c:gapWidth val="150"/>
-        <c:axId val="86265344"/>
-        <c:axId val="77471744"/>
+        <c:axId val="76234240"/>
+        <c:axId val="35945792"/>
       </c:barChart>
       <c:catAx>
-        <c:axId val="86265344"/>
+        <c:axId val="76234240"/>
         <c:scaling>
           <c:orientation val="minMax"/>
         </c:scaling>
@@ -159,7 +159,7 @@
         <c:majorTickMark val="out"/>
         <c:minorTickMark val="none"/>
         <c:tickLblPos val="nextTo"/>
-        <c:crossAx val="77471744"/>
+        <c:crossAx val="35945792"/>
         <c:crosses val="autoZero"/>
         <c:auto val="1"/>
         <c:lblAlgn val="ctr"/>
@@ -167,7 +167,7 @@
         <c:noMultiLvlLbl val="0"/>
       </c:catAx>
       <c:valAx>
-        <c:axId val="77471744"/>
+        <c:axId val="35945792"/>
         <c:scaling>
           <c:orientation val="minMax"/>
         </c:scaling>
@@ -178,7 +178,7 @@
         <c:majorTickMark val="out"/>
         <c:minorTickMark val="none"/>
         <c:tickLblPos val="nextTo"/>
-        <c:crossAx val="86265344"/>
+        <c:crossAx val="76234240"/>
         <c:crosses val="autoZero"/>
         <c:crossBetween val="between"/>
       </c:valAx>
@@ -686,11 +686,11 @@
           <c:showBubbleSize val="0"/>
         </c:dLbls>
         <c:gapWidth val="150"/>
-        <c:axId val="123700736"/>
-        <c:axId val="77519616"/>
+        <c:axId val="122575360"/>
+        <c:axId val="92216064"/>
       </c:barChart>
       <c:catAx>
-        <c:axId val="123700736"/>
+        <c:axId val="122575360"/>
         <c:scaling>
           <c:orientation val="minMax"/>
         </c:scaling>
@@ -699,7 +699,7 @@
         <c:majorTickMark val="out"/>
         <c:minorTickMark val="none"/>
         <c:tickLblPos val="nextTo"/>
-        <c:crossAx val="77519616"/>
+        <c:crossAx val="92216064"/>
         <c:crosses val="autoZero"/>
         <c:auto val="1"/>
         <c:lblAlgn val="ctr"/>
@@ -707,7 +707,7 @@
         <c:noMultiLvlLbl val="0"/>
       </c:catAx>
       <c:valAx>
-        <c:axId val="77519616"/>
+        <c:axId val="92216064"/>
         <c:scaling>
           <c:orientation val="minMax"/>
         </c:scaling>
@@ -718,7 +718,7 @@
         <c:majorTickMark val="out"/>
         <c:minorTickMark val="none"/>
         <c:tickLblPos val="nextTo"/>
-        <c:crossAx val="123700736"/>
+        <c:crossAx val="122575360"/>
         <c:crosses val="autoZero"/>
         <c:crossBetween val="between"/>
       </c:valAx>
@@ -776,11 +776,11 @@
           <c:showBubbleSize val="0"/>
         </c:dLbls>
         <c:gapWidth val="150"/>
-        <c:axId val="123786752"/>
-        <c:axId val="97124928"/>
+        <c:axId val="123000832"/>
+        <c:axId val="92217920"/>
       </c:barChart>
       <c:catAx>
-        <c:axId val="123786752"/>
+        <c:axId val="123000832"/>
         <c:scaling>
           <c:orientation val="minMax"/>
         </c:scaling>
@@ -790,7 +790,7 @@
         <c:majorTickMark val="out"/>
         <c:minorTickMark val="none"/>
         <c:tickLblPos val="nextTo"/>
-        <c:crossAx val="97124928"/>
+        <c:crossAx val="92217920"/>
         <c:crosses val="autoZero"/>
         <c:auto val="1"/>
         <c:lblAlgn val="ctr"/>
@@ -798,7 +798,7 @@
         <c:noMultiLvlLbl val="0"/>
       </c:catAx>
       <c:valAx>
-        <c:axId val="97124928"/>
+        <c:axId val="92217920"/>
         <c:scaling>
           <c:orientation val="minMax"/>
         </c:scaling>
@@ -809,7 +809,7 @@
         <c:majorTickMark val="out"/>
         <c:minorTickMark val="none"/>
         <c:tickLblPos val="nextTo"/>
-        <c:crossAx val="123786752"/>
+        <c:crossAx val="123000832"/>
         <c:crosses val="autoZero"/>
         <c:crossBetween val="between"/>
       </c:valAx>
@@ -1045,11 +1045,11 @@
           <c:showBubbleSize val="0"/>
         </c:dLbls>
         <c:gapWidth val="150"/>
-        <c:axId val="123787264"/>
-        <c:axId val="97127232"/>
+        <c:axId val="123001344"/>
+        <c:axId val="92220224"/>
       </c:barChart>
       <c:catAx>
-        <c:axId val="123787264"/>
+        <c:axId val="123001344"/>
         <c:scaling>
           <c:orientation val="minMax"/>
         </c:scaling>
@@ -1058,7 +1058,7 @@
         <c:majorTickMark val="out"/>
         <c:minorTickMark val="none"/>
         <c:tickLblPos val="nextTo"/>
-        <c:crossAx val="97127232"/>
+        <c:crossAx val="92220224"/>
         <c:crosses val="autoZero"/>
         <c:auto val="1"/>
         <c:lblAlgn val="ctr"/>
@@ -1066,7 +1066,7 @@
         <c:noMultiLvlLbl val="0"/>
       </c:catAx>
       <c:valAx>
-        <c:axId val="97127232"/>
+        <c:axId val="92220224"/>
         <c:scaling>
           <c:orientation val="minMax"/>
         </c:scaling>
@@ -1077,7 +1077,7 @@
         <c:majorTickMark val="out"/>
         <c:minorTickMark val="none"/>
         <c:tickLblPos val="nextTo"/>
-        <c:crossAx val="123787264"/>
+        <c:crossAx val="123001344"/>
         <c:crosses val="autoZero"/>
         <c:crossBetween val="between"/>
       </c:valAx>
@@ -1122,11 +1122,11 @@
           <c:showBubbleSize val="0"/>
         </c:dLbls>
         <c:gapWidth val="150"/>
-        <c:axId val="124535296"/>
-        <c:axId val="97128960"/>
+        <c:axId val="122770944"/>
+        <c:axId val="92221952"/>
       </c:barChart>
       <c:catAx>
-        <c:axId val="124535296"/>
+        <c:axId val="122770944"/>
         <c:scaling>
           <c:orientation val="minMax"/>
         </c:scaling>
@@ -1136,7 +1136,7 @@
         <c:majorTickMark val="out"/>
         <c:minorTickMark val="none"/>
         <c:tickLblPos val="nextTo"/>
-        <c:crossAx val="97128960"/>
+        <c:crossAx val="92221952"/>
         <c:crosses val="autoZero"/>
         <c:auto val="1"/>
         <c:lblAlgn val="ctr"/>
@@ -1144,7 +1144,7 @@
         <c:noMultiLvlLbl val="0"/>
       </c:catAx>
       <c:valAx>
-        <c:axId val="97128960"/>
+        <c:axId val="92221952"/>
         <c:scaling>
           <c:orientation val="minMax"/>
         </c:scaling>
@@ -1155,7 +1155,7 @@
         <c:majorTickMark val="out"/>
         <c:minorTickMark val="none"/>
         <c:tickLblPos val="nextTo"/>
-        <c:crossAx val="124535296"/>
+        <c:crossAx val="122770944"/>
         <c:crosses val="autoZero"/>
         <c:crossBetween val="between"/>
       </c:valAx>
@@ -1168,7 +1168,6 @@
     </c:plotArea>
     <c:legend>
       <c:legendPos val="r"/>
-      <c:layout/>
       <c:overlay val="0"/>
     </c:legend>
     <c:plotVisOnly val="1"/>
@@ -1729,11 +1728,11 @@
           <c:showBubbleSize val="0"/>
         </c:dLbls>
         <c:gapWidth val="150"/>
-        <c:axId val="124536320"/>
-        <c:axId val="97130688"/>
+        <c:axId val="122771456"/>
+        <c:axId val="92223680"/>
       </c:barChart>
       <c:catAx>
-        <c:axId val="124536320"/>
+        <c:axId val="122771456"/>
         <c:scaling>
           <c:orientation val="minMax"/>
         </c:scaling>
@@ -1742,7 +1741,7 @@
         <c:majorTickMark val="out"/>
         <c:minorTickMark val="none"/>
         <c:tickLblPos val="nextTo"/>
-        <c:crossAx val="97130688"/>
+        <c:crossAx val="92223680"/>
         <c:crosses val="autoZero"/>
         <c:auto val="1"/>
         <c:lblAlgn val="ctr"/>
@@ -1750,7 +1749,7 @@
         <c:noMultiLvlLbl val="0"/>
       </c:catAx>
       <c:valAx>
-        <c:axId val="97130688"/>
+        <c:axId val="92223680"/>
         <c:scaling>
           <c:orientation val="minMax"/>
         </c:scaling>
@@ -1761,7 +1760,7 @@
         <c:majorTickMark val="out"/>
         <c:minorTickMark val="none"/>
         <c:tickLblPos val="nextTo"/>
-        <c:crossAx val="124536320"/>
+        <c:crossAx val="122771456"/>
         <c:crosses val="autoZero"/>
         <c:crossBetween val="between"/>
       </c:valAx>
@@ -1940,11 +1939,11 @@
           <c:showBubbleSize val="0"/>
         </c:dLbls>
         <c:gapWidth val="150"/>
-        <c:axId val="93585408"/>
-        <c:axId val="77473472"/>
+        <c:axId val="87363584"/>
+        <c:axId val="42673280"/>
       </c:barChart>
       <c:catAx>
-        <c:axId val="93585408"/>
+        <c:axId val="87363584"/>
         <c:scaling>
           <c:orientation val="minMax"/>
         </c:scaling>
@@ -1955,7 +1954,7 @@
         <c:majorTickMark val="out"/>
         <c:minorTickMark val="none"/>
         <c:tickLblPos val="nextTo"/>
-        <c:crossAx val="77473472"/>
+        <c:crossAx val="42673280"/>
         <c:crosses val="autoZero"/>
         <c:auto val="1"/>
         <c:lblAlgn val="ctr"/>
@@ -1963,7 +1962,7 @@
         <c:noMultiLvlLbl val="0"/>
       </c:catAx>
       <c:valAx>
-        <c:axId val="77473472"/>
+        <c:axId val="42673280"/>
         <c:scaling>
           <c:orientation val="minMax"/>
         </c:scaling>
@@ -1974,7 +1973,7 @@
         <c:majorTickMark val="out"/>
         <c:minorTickMark val="none"/>
         <c:tickLblPos val="nextTo"/>
-        <c:crossAx val="93585408"/>
+        <c:crossAx val="87363584"/>
         <c:crosses val="autoZero"/>
         <c:crossBetween val="between"/>
       </c:valAx>
@@ -2284,11 +2283,11 @@
           <c:showBubbleSize val="0"/>
         </c:dLbls>
         <c:gapWidth val="150"/>
-        <c:axId val="121525760"/>
-        <c:axId val="98581824"/>
+        <c:axId val="120215040"/>
+        <c:axId val="92355904"/>
       </c:barChart>
       <c:catAx>
-        <c:axId val="121525760"/>
+        <c:axId val="120215040"/>
         <c:scaling>
           <c:orientation val="minMax"/>
         </c:scaling>
@@ -2298,7 +2297,7 @@
         <c:majorTickMark val="out"/>
         <c:minorTickMark val="none"/>
         <c:tickLblPos val="nextTo"/>
-        <c:crossAx val="98581824"/>
+        <c:crossAx val="92355904"/>
         <c:crosses val="autoZero"/>
         <c:auto val="1"/>
         <c:lblAlgn val="ctr"/>
@@ -2306,7 +2305,7 @@
         <c:noMultiLvlLbl val="0"/>
       </c:catAx>
       <c:valAx>
-        <c:axId val="98581824"/>
+        <c:axId val="92355904"/>
         <c:scaling>
           <c:orientation val="minMax"/>
         </c:scaling>
@@ -2317,7 +2316,7 @@
         <c:majorTickMark val="out"/>
         <c:minorTickMark val="none"/>
         <c:tickLblPos val="nextTo"/>
-        <c:crossAx val="121525760"/>
+        <c:crossAx val="120215040"/>
         <c:crosses val="autoZero"/>
         <c:crossBetween val="between"/>
       </c:valAx>
@@ -3011,8 +3010,8 @@
           <c:showBubbleSize val="0"/>
         </c:dLbls>
         <c:gapWidth val="150"/>
-        <c:axId val="122484224"/>
-        <c:axId val="121464512"/>
+        <c:axId val="120326656"/>
+        <c:axId val="120153792"/>
       </c:barChart>
       <c:lineChart>
         <c:grouping val="standard"/>
@@ -3673,11 +3672,11 @@
         </c:dLbls>
         <c:marker val="1"/>
         <c:smooth val="0"/>
-        <c:axId val="122484224"/>
-        <c:axId val="121464512"/>
+        <c:axId val="120326656"/>
+        <c:axId val="120153792"/>
       </c:lineChart>
       <c:catAx>
-        <c:axId val="122484224"/>
+        <c:axId val="120326656"/>
         <c:scaling>
           <c:orientation val="minMax"/>
         </c:scaling>
@@ -3686,7 +3685,7 @@
         <c:majorTickMark val="out"/>
         <c:minorTickMark val="none"/>
         <c:tickLblPos val="nextTo"/>
-        <c:crossAx val="121464512"/>
+        <c:crossAx val="120153792"/>
         <c:crosses val="autoZero"/>
         <c:auto val="1"/>
         <c:lblAlgn val="ctr"/>
@@ -3694,7 +3693,7 @@
         <c:noMultiLvlLbl val="0"/>
       </c:catAx>
       <c:valAx>
-        <c:axId val="121464512"/>
+        <c:axId val="120153792"/>
         <c:scaling>
           <c:orientation val="minMax"/>
         </c:scaling>
@@ -3705,7 +3704,7 @@
         <c:majorTickMark val="out"/>
         <c:minorTickMark val="none"/>
         <c:tickLblPos val="nextTo"/>
-        <c:crossAx val="122484224"/>
+        <c:crossAx val="120326656"/>
         <c:crosses val="autoZero"/>
         <c:crossBetween val="between"/>
       </c:valAx>
@@ -3755,11 +3754,11 @@
           <c:showBubbleSize val="0"/>
         </c:dLbls>
         <c:gapWidth val="150"/>
-        <c:axId val="123300352"/>
-        <c:axId val="121466816"/>
+        <c:axId val="120479232"/>
+        <c:axId val="120156096"/>
       </c:barChart>
       <c:catAx>
-        <c:axId val="123300352"/>
+        <c:axId val="120479232"/>
         <c:scaling>
           <c:orientation val="minMax"/>
         </c:scaling>
@@ -3769,7 +3768,7 @@
         <c:majorTickMark val="out"/>
         <c:minorTickMark val="none"/>
         <c:tickLblPos val="nextTo"/>
-        <c:crossAx val="121466816"/>
+        <c:crossAx val="120156096"/>
         <c:crosses val="autoZero"/>
         <c:auto val="1"/>
         <c:lblAlgn val="ctr"/>
@@ -3777,7 +3776,7 @@
         <c:noMultiLvlLbl val="0"/>
       </c:catAx>
       <c:valAx>
-        <c:axId val="121466816"/>
+        <c:axId val="120156096"/>
         <c:scaling>
           <c:orientation val="minMax"/>
         </c:scaling>
@@ -3788,7 +3787,7 @@
         <c:majorTickMark val="out"/>
         <c:minorTickMark val="none"/>
         <c:tickLblPos val="nextTo"/>
-        <c:crossAx val="123300352"/>
+        <c:crossAx val="120479232"/>
         <c:crosses val="autoZero"/>
         <c:crossBetween val="between"/>
       </c:valAx>
@@ -4082,11 +4081,11 @@
         </c:dLbls>
         <c:marker val="1"/>
         <c:smooth val="0"/>
-        <c:axId val="123301376"/>
-        <c:axId val="121468544"/>
+        <c:axId val="120504320"/>
+        <c:axId val="120157824"/>
       </c:lineChart>
       <c:catAx>
-        <c:axId val="123301376"/>
+        <c:axId val="120504320"/>
         <c:scaling>
           <c:orientation val="minMax"/>
         </c:scaling>
@@ -4095,7 +4094,7 @@
         <c:majorTickMark val="out"/>
         <c:minorTickMark val="none"/>
         <c:tickLblPos val="nextTo"/>
-        <c:crossAx val="121468544"/>
+        <c:crossAx val="120157824"/>
         <c:crosses val="autoZero"/>
         <c:auto val="1"/>
         <c:lblAlgn val="ctr"/>
@@ -4103,7 +4102,7 @@
         <c:noMultiLvlLbl val="0"/>
       </c:catAx>
       <c:valAx>
-        <c:axId val="121468544"/>
+        <c:axId val="120157824"/>
         <c:scaling>
           <c:orientation val="minMax"/>
         </c:scaling>
@@ -4114,7 +4113,7 @@
         <c:majorTickMark val="out"/>
         <c:minorTickMark val="none"/>
         <c:tickLblPos val="nextTo"/>
-        <c:crossAx val="123301376"/>
+        <c:crossAx val="120504320"/>
         <c:crosses val="autoZero"/>
         <c:crossBetween val="between"/>
       </c:valAx>
@@ -5756,11 +5755,11 @@
         </c:dLbls>
         <c:marker val="1"/>
         <c:smooth val="0"/>
-        <c:axId val="123424256"/>
-        <c:axId val="77513280"/>
+        <c:axId val="121271296"/>
+        <c:axId val="92209728"/>
       </c:lineChart>
       <c:catAx>
-        <c:axId val="123424256"/>
+        <c:axId val="121271296"/>
         <c:scaling>
           <c:orientation val="minMax"/>
         </c:scaling>
@@ -5770,7 +5769,7 @@
         <c:majorTickMark val="out"/>
         <c:minorTickMark val="none"/>
         <c:tickLblPos val="nextTo"/>
-        <c:crossAx val="77513280"/>
+        <c:crossAx val="92209728"/>
         <c:crosses val="autoZero"/>
         <c:auto val="1"/>
         <c:lblAlgn val="ctr"/>
@@ -5778,7 +5777,7 @@
         <c:noMultiLvlLbl val="0"/>
       </c:catAx>
       <c:valAx>
-        <c:axId val="77513280"/>
+        <c:axId val="92209728"/>
         <c:scaling>
           <c:orientation val="minMax"/>
         </c:scaling>
@@ -5789,7 +5788,7 @@
         <c:majorTickMark val="out"/>
         <c:minorTickMark val="none"/>
         <c:tickLblPos val="nextTo"/>
-        <c:crossAx val="123424256"/>
+        <c:crossAx val="121271296"/>
         <c:crosses val="autoZero"/>
         <c:crossBetween val="between"/>
       </c:valAx>
@@ -5839,11 +5838,11 @@
           <c:showBubbleSize val="0"/>
         </c:dLbls>
         <c:gapWidth val="150"/>
-        <c:axId val="123578368"/>
-        <c:axId val="121469696"/>
+        <c:axId val="121273856"/>
+        <c:axId val="120158976"/>
       </c:barChart>
       <c:catAx>
-        <c:axId val="123578368"/>
+        <c:axId val="121273856"/>
         <c:scaling>
           <c:orientation val="minMax"/>
         </c:scaling>
@@ -5853,7 +5852,7 @@
         <c:majorTickMark val="out"/>
         <c:minorTickMark val="none"/>
         <c:tickLblPos val="nextTo"/>
-        <c:crossAx val="121469696"/>
+        <c:crossAx val="120158976"/>
         <c:crosses val="autoZero"/>
         <c:auto val="1"/>
         <c:lblAlgn val="ctr"/>
@@ -5861,7 +5860,7 @@
         <c:noMultiLvlLbl val="0"/>
       </c:catAx>
       <c:valAx>
-        <c:axId val="121469696"/>
+        <c:axId val="120158976"/>
         <c:scaling>
           <c:orientation val="minMax"/>
         </c:scaling>
@@ -5872,7 +5871,7 @@
         <c:majorTickMark val="out"/>
         <c:minorTickMark val="none"/>
         <c:tickLblPos val="nextTo"/>
-        <c:crossAx val="123578368"/>
+        <c:crossAx val="121273856"/>
         <c:crosses val="autoZero"/>
         <c:crossBetween val="between"/>
       </c:valAx>
@@ -6090,11 +6089,11 @@
           <c:showBubbleSize val="0"/>
         </c:dLbls>
         <c:gapWidth val="150"/>
-        <c:axId val="123578880"/>
-        <c:axId val="77516736"/>
+        <c:axId val="122572800"/>
+        <c:axId val="92213184"/>
       </c:barChart>
       <c:catAx>
-        <c:axId val="123578880"/>
+        <c:axId val="122572800"/>
         <c:scaling>
           <c:orientation val="minMax"/>
         </c:scaling>
@@ -6103,7 +6102,7 @@
         <c:majorTickMark val="out"/>
         <c:minorTickMark val="none"/>
         <c:tickLblPos val="nextTo"/>
-        <c:crossAx val="77516736"/>
+        <c:crossAx val="92213184"/>
         <c:crosses val="autoZero"/>
         <c:auto val="1"/>
         <c:lblAlgn val="ctr"/>
@@ -6111,7 +6110,7 @@
         <c:noMultiLvlLbl val="0"/>
       </c:catAx>
       <c:valAx>
-        <c:axId val="77516736"/>
+        <c:axId val="92213184"/>
         <c:scaling>
           <c:orientation val="minMax"/>
         </c:scaling>
@@ -6122,7 +6121,7 @@
         <c:majorTickMark val="out"/>
         <c:minorTickMark val="none"/>
         <c:tickLblPos val="nextTo"/>
-        <c:crossAx val="123578880"/>
+        <c:crossAx val="122572800"/>
         <c:crosses val="autoZero"/>
         <c:crossBetween val="between"/>
       </c:valAx>
@@ -6323,7 +6322,7 @@
           <a:p>
             <a:fld id="{BEE8B2F1-5A7E-4318-AD3A-313BD57D48B0}" type="datetimeFigureOut">
               <a:rPr lang="ko-KR" altLang="en-US" smtClean="0"/>
-              <a:t>2019-09-27</a:t>
+              <a:t>2019-09-30</a:t>
             </a:fld>
             <a:endParaRPr lang="ko-KR" altLang="en-US"/>
           </a:p>
@@ -6493,7 +6492,7 @@
           <a:p>
             <a:fld id="{BEE8B2F1-5A7E-4318-AD3A-313BD57D48B0}" type="datetimeFigureOut">
               <a:rPr lang="ko-KR" altLang="en-US" smtClean="0"/>
-              <a:t>2019-09-27</a:t>
+              <a:t>2019-09-30</a:t>
             </a:fld>
             <a:endParaRPr lang="ko-KR" altLang="en-US"/>
           </a:p>
@@ -6673,7 +6672,7 @@
           <a:p>
             <a:fld id="{BEE8B2F1-5A7E-4318-AD3A-313BD57D48B0}" type="datetimeFigureOut">
               <a:rPr lang="ko-KR" altLang="en-US" smtClean="0"/>
-              <a:t>2019-09-27</a:t>
+              <a:t>2019-09-30</a:t>
             </a:fld>
             <a:endParaRPr lang="ko-KR" altLang="en-US"/>
           </a:p>
@@ -6843,7 +6842,7 @@
           <a:p>
             <a:fld id="{BEE8B2F1-5A7E-4318-AD3A-313BD57D48B0}" type="datetimeFigureOut">
               <a:rPr lang="ko-KR" altLang="en-US" smtClean="0"/>
-              <a:t>2019-09-27</a:t>
+              <a:t>2019-09-30</a:t>
             </a:fld>
             <a:endParaRPr lang="ko-KR" altLang="en-US"/>
           </a:p>
@@ -7089,7 +7088,7 @@
           <a:p>
             <a:fld id="{BEE8B2F1-5A7E-4318-AD3A-313BD57D48B0}" type="datetimeFigureOut">
               <a:rPr lang="ko-KR" altLang="en-US" smtClean="0"/>
-              <a:t>2019-09-27</a:t>
+              <a:t>2019-09-30</a:t>
             </a:fld>
             <a:endParaRPr lang="ko-KR" altLang="en-US"/>
           </a:p>
@@ -7377,7 +7376,7 @@
           <a:p>
             <a:fld id="{BEE8B2F1-5A7E-4318-AD3A-313BD57D48B0}" type="datetimeFigureOut">
               <a:rPr lang="ko-KR" altLang="en-US" smtClean="0"/>
-              <a:t>2019-09-27</a:t>
+              <a:t>2019-09-30</a:t>
             </a:fld>
             <a:endParaRPr lang="ko-KR" altLang="en-US"/>
           </a:p>
@@ -7804,7 +7803,7 @@
           <a:p>
             <a:fld id="{BEE8B2F1-5A7E-4318-AD3A-313BD57D48B0}" type="datetimeFigureOut">
               <a:rPr lang="ko-KR" altLang="en-US" smtClean="0"/>
-              <a:t>2019-09-27</a:t>
+              <a:t>2019-09-30</a:t>
             </a:fld>
             <a:endParaRPr lang="ko-KR" altLang="en-US"/>
           </a:p>
@@ -7922,7 +7921,7 @@
           <a:p>
             <a:fld id="{BEE8B2F1-5A7E-4318-AD3A-313BD57D48B0}" type="datetimeFigureOut">
               <a:rPr lang="ko-KR" altLang="en-US" smtClean="0"/>
-              <a:t>2019-09-27</a:t>
+              <a:t>2019-09-30</a:t>
             </a:fld>
             <a:endParaRPr lang="ko-KR" altLang="en-US"/>
           </a:p>
@@ -8017,7 +8016,7 @@
           <a:p>
             <a:fld id="{BEE8B2F1-5A7E-4318-AD3A-313BD57D48B0}" type="datetimeFigureOut">
               <a:rPr lang="ko-KR" altLang="en-US" smtClean="0"/>
-              <a:t>2019-09-27</a:t>
+              <a:t>2019-09-30</a:t>
             </a:fld>
             <a:endParaRPr lang="ko-KR" altLang="en-US"/>
           </a:p>
@@ -8294,7 +8293,7 @@
           <a:p>
             <a:fld id="{BEE8B2F1-5A7E-4318-AD3A-313BD57D48B0}" type="datetimeFigureOut">
               <a:rPr lang="ko-KR" altLang="en-US" smtClean="0"/>
-              <a:t>2019-09-27</a:t>
+              <a:t>2019-09-30</a:t>
             </a:fld>
             <a:endParaRPr lang="ko-KR" altLang="en-US"/>
           </a:p>
@@ -8547,7 +8546,7 @@
           <a:p>
             <a:fld id="{BEE8B2F1-5A7E-4318-AD3A-313BD57D48B0}" type="datetimeFigureOut">
               <a:rPr lang="ko-KR" altLang="en-US" smtClean="0"/>
-              <a:t>2019-09-27</a:t>
+              <a:t>2019-09-30</a:t>
             </a:fld>
             <a:endParaRPr lang="ko-KR" altLang="en-US"/>
           </a:p>
@@ -8760,7 +8759,7 @@
           <a:p>
             <a:fld id="{BEE8B2F1-5A7E-4318-AD3A-313BD57D48B0}" type="datetimeFigureOut">
               <a:rPr lang="ko-KR" altLang="en-US" smtClean="0"/>
-              <a:t>2019-09-27</a:t>
+              <a:t>2019-09-30</a:t>
             </a:fld>
             <a:endParaRPr lang="ko-KR" altLang="en-US"/>
           </a:p>
@@ -9440,7 +9439,21 @@
                     <a:latin typeface="나눔고딕" panose="020D0604000000000000" pitchFamily="50" charset="-127"/>
                     <a:ea typeface="나눔고딕" panose="020D0604000000000000" pitchFamily="50" charset="-127"/>
                   </a:rPr>
-                  <a:t> 농도가 증가하고 있음</a:t>
+                  <a:t> 농도가 </a:t>
+                </a:r>
+                <a:r>
+                  <a:rPr lang="ko-KR" altLang="en-US" sz="2000" smtClean="0">
+                    <a:latin typeface="나눔고딕" panose="020D0604000000000000" pitchFamily="50" charset="-127"/>
+                    <a:ea typeface="나눔고딕" panose="020D0604000000000000" pitchFamily="50" charset="-127"/>
+                  </a:rPr>
+                  <a:t>증가하고 </a:t>
+                </a:r>
+                <a:r>
+                  <a:rPr lang="ko-KR" altLang="en-US" sz="2000" smtClean="0">
+                    <a:latin typeface="나눔고딕" panose="020D0604000000000000" pitchFamily="50" charset="-127"/>
+                    <a:ea typeface="나눔고딕" panose="020D0604000000000000" pitchFamily="50" charset="-127"/>
+                  </a:rPr>
+                  <a:t>있음 </a:t>
                 </a:r>
                 <a:endParaRPr lang="ko-KR" altLang="en-US" sz="2000" dirty="0">
                   <a:latin typeface="나눔고딕" panose="020D0604000000000000" pitchFamily="50" charset="-127"/>
@@ -9887,10 +9900,6 @@
               </a:rPr>
               <a:t>한반도 상공의 대기흐름이 빨라졌기 때문</a:t>
             </a:r>
-            <a:endParaRPr lang="ko-KR" altLang="en-US" sz="2000" dirty="0">
-              <a:latin typeface="나눔고딕" panose="020D0604000000000000" pitchFamily="50" charset="-127"/>
-              <a:ea typeface="나눔고딕" panose="020D0604000000000000" pitchFamily="50" charset="-127"/>
-            </a:endParaRPr>
           </a:p>
         </p:txBody>
       </p:sp>
